--- a/Programación web/PW_Sesion16.pptx
+++ b/Programación web/PW_Sesion16.pptx
@@ -7,21 +7,23 @@
     <p:sldMasterId id="2147483704" r:id="rId3"/>
   </p:sldMasterIdLst>
   <p:notesMasterIdLst>
-    <p:notesMasterId r:id="rId13"/>
+    <p:notesMasterId r:id="rId15"/>
   </p:notesMasterIdLst>
   <p:handoutMasterIdLst>
-    <p:handoutMasterId r:id="rId14"/>
+    <p:handoutMasterId r:id="rId16"/>
   </p:handoutMasterIdLst>
   <p:sldIdLst>
     <p:sldId id="256" r:id="rId4"/>
     <p:sldId id="269" r:id="rId5"/>
-    <p:sldId id="257" r:id="rId6"/>
-    <p:sldId id="258" r:id="rId7"/>
-    <p:sldId id="259" r:id="rId8"/>
-    <p:sldId id="260" r:id="rId9"/>
-    <p:sldId id="262" r:id="rId10"/>
-    <p:sldId id="263" r:id="rId11"/>
-    <p:sldId id="261" r:id="rId12"/>
+    <p:sldId id="274" r:id="rId6"/>
+    <p:sldId id="257" r:id="rId7"/>
+    <p:sldId id="258" r:id="rId8"/>
+    <p:sldId id="259" r:id="rId9"/>
+    <p:sldId id="260" r:id="rId10"/>
+    <p:sldId id="262" r:id="rId11"/>
+    <p:sldId id="263" r:id="rId12"/>
+    <p:sldId id="267" r:id="rId13"/>
+    <p:sldId id="261" r:id="rId14"/>
   </p:sldIdLst>
   <p:sldSz cx="12192000" cy="6858000"/>
   <p:notesSz cx="6858000" cy="9144000"/>
@@ -225,7 +227,7 @@
           <a:p>
             <a:fld id="{7FF7D7FF-DDC7-474C-8526-899954A31AD1}" type="datetimeFigureOut">
               <a:rPr lang="es-EC" smtClean="0"/>
-              <a:t>15/3/2024</a:t>
+              <a:t>31/3/2024</a:t>
             </a:fld>
             <a:endParaRPr lang="es-EC"/>
           </a:p>
@@ -402,7 +404,7 @@
           <a:p>
             <a:fld id="{A266080D-5226-48DF-A08B-67FADEB85FAB}" type="datetimeFigureOut">
               <a:rPr lang="es-419" smtClean="0"/>
-              <a:t>15/3/2024</a:t>
+              <a:t>31/3/2024</a:t>
             </a:fld>
             <a:endParaRPr lang="es-419"/>
           </a:p>
@@ -801,7 +803,7 @@
           <a:p>
             <a:fld id="{8FEB83C7-CE7D-EE43-931B-A983B2AE7CF3}" type="datetimeFigureOut">
               <a:rPr lang="es-EC" smtClean="0"/>
-              <a:t>15/3/2024</a:t>
+              <a:t>31/3/2024</a:t>
             </a:fld>
             <a:endParaRPr lang="es-EC"/>
           </a:p>
@@ -971,7 +973,7 @@
           <a:p>
             <a:fld id="{8FEB83C7-CE7D-EE43-931B-A983B2AE7CF3}" type="datetimeFigureOut">
               <a:rPr lang="es-EC" smtClean="0"/>
-              <a:t>15/3/2024</a:t>
+              <a:t>31/3/2024</a:t>
             </a:fld>
             <a:endParaRPr lang="es-EC"/>
           </a:p>
@@ -1151,7 +1153,7 @@
           <a:p>
             <a:fld id="{8FEB83C7-CE7D-EE43-931B-A983B2AE7CF3}" type="datetimeFigureOut">
               <a:rPr lang="es-EC" smtClean="0"/>
-              <a:t>15/3/2024</a:t>
+              <a:t>31/3/2024</a:t>
             </a:fld>
             <a:endParaRPr lang="es-EC"/>
           </a:p>
@@ -1543,7 +1545,7 @@
           <a:p>
             <a:fld id="{1D8BD707-D9CF-40AE-B4C6-C98DA3205C09}" type="datetimeFigureOut">
               <a:rPr lang="en-US"/>
-              <a:t>3/15/2024</a:t>
+              <a:t>3/31/2024</a:t>
             </a:fld>
             <a:endParaRPr lang="en-US"/>
           </a:p>
@@ -1754,7 +1756,7 @@
           <a:p>
             <a:fld id="{1D8BD707-D9CF-40AE-B4C6-C98DA3205C09}" type="datetimeFigureOut">
               <a:rPr lang="en-US"/>
-              <a:t>3/15/2024</a:t>
+              <a:t>3/31/2024</a:t>
             </a:fld>
             <a:endParaRPr lang="en-US"/>
           </a:p>
@@ -1978,7 +1980,7 @@
           <a:p>
             <a:fld id="{1D8BD707-D9CF-40AE-B4C6-C98DA3205C09}" type="datetimeFigureOut">
               <a:rPr lang="en-US"/>
-              <a:t>3/15/2024</a:t>
+              <a:t>3/31/2024</a:t>
             </a:fld>
             <a:endParaRPr lang="en-US"/>
           </a:p>
@@ -2166,7 +2168,7 @@
           <a:p>
             <a:fld id="{1D8BD707-D9CF-40AE-B4C6-C98DA3205C09}" type="datetimeFigureOut">
               <a:rPr lang="en-US"/>
-              <a:t>3/15/2024</a:t>
+              <a:t>3/31/2024</a:t>
             </a:fld>
             <a:endParaRPr lang="en-US"/>
           </a:p>
@@ -2290,7 +2292,7 @@
           <a:p>
             <a:fld id="{1D8BD707-D9CF-40AE-B4C6-C98DA3205C09}" type="datetimeFigureOut">
               <a:rPr lang="en-US"/>
-              <a:t>3/15/2024</a:t>
+              <a:t>3/31/2024</a:t>
             </a:fld>
             <a:endParaRPr lang="en-US"/>
           </a:p>
@@ -2450,7 +2452,7 @@
           <a:p>
             <a:fld id="{8FEB83C7-CE7D-EE43-931B-A983B2AE7CF3}" type="datetimeFigureOut">
               <a:rPr lang="es-EC" smtClean="0"/>
-              <a:t>15/3/2024</a:t>
+              <a:t>31/3/2024</a:t>
             </a:fld>
             <a:endParaRPr lang="es-EC"/>
           </a:p>
@@ -2917,7 +2919,7 @@
           <a:p>
             <a:fld id="{8FEB83C7-CE7D-EE43-931B-A983B2AE7CF3}" type="datetimeFigureOut">
               <a:rPr lang="es-EC" smtClean="0"/>
-              <a:t>15/3/2024</a:t>
+              <a:t>31/3/2024</a:t>
             </a:fld>
             <a:endParaRPr lang="es-EC"/>
           </a:p>
@@ -3149,7 +3151,7 @@
           <a:p>
             <a:fld id="{8FEB83C7-CE7D-EE43-931B-A983B2AE7CF3}" type="datetimeFigureOut">
               <a:rPr lang="es-EC" smtClean="0"/>
-              <a:t>15/3/2024</a:t>
+              <a:t>31/3/2024</a:t>
             </a:fld>
             <a:endParaRPr lang="es-EC"/>
           </a:p>
@@ -3516,7 +3518,7 @@
           <a:p>
             <a:fld id="{8FEB83C7-CE7D-EE43-931B-A983B2AE7CF3}" type="datetimeFigureOut">
               <a:rPr lang="es-EC" smtClean="0"/>
-              <a:t>15/3/2024</a:t>
+              <a:t>31/3/2024</a:t>
             </a:fld>
             <a:endParaRPr lang="es-EC"/>
           </a:p>
@@ -3634,7 +3636,7 @@
           <a:p>
             <a:fld id="{8FEB83C7-CE7D-EE43-931B-A983B2AE7CF3}" type="datetimeFigureOut">
               <a:rPr lang="es-EC" smtClean="0"/>
-              <a:t>15/3/2024</a:t>
+              <a:t>31/3/2024</a:t>
             </a:fld>
             <a:endParaRPr lang="es-EC"/>
           </a:p>
@@ -3729,7 +3731,7 @@
           <a:p>
             <a:fld id="{8FEB83C7-CE7D-EE43-931B-A983B2AE7CF3}" type="datetimeFigureOut">
               <a:rPr lang="es-EC" smtClean="0"/>
-              <a:t>15/3/2024</a:t>
+              <a:t>31/3/2024</a:t>
             </a:fld>
             <a:endParaRPr lang="es-EC"/>
           </a:p>
@@ -4006,7 +4008,7 @@
           <a:p>
             <a:fld id="{8FEB83C7-CE7D-EE43-931B-A983B2AE7CF3}" type="datetimeFigureOut">
               <a:rPr lang="es-EC" smtClean="0"/>
-              <a:t>15/3/2024</a:t>
+              <a:t>31/3/2024</a:t>
             </a:fld>
             <a:endParaRPr lang="es-EC"/>
           </a:p>
@@ -4263,7 +4265,7 @@
           <a:p>
             <a:fld id="{8FEB83C7-CE7D-EE43-931B-A983B2AE7CF3}" type="datetimeFigureOut">
               <a:rPr lang="es-EC" smtClean="0"/>
-              <a:t>15/3/2024</a:t>
+              <a:t>31/3/2024</a:t>
             </a:fld>
             <a:endParaRPr lang="es-EC"/>
           </a:p>
@@ -4476,7 +4478,7 @@
           <a:p>
             <a:fld id="{8FEB83C7-CE7D-EE43-931B-A983B2AE7CF3}" type="datetimeFigureOut">
               <a:rPr lang="es-EC" smtClean="0"/>
-              <a:t>15/3/2024</a:t>
+              <a:t>31/3/2024</a:t>
             </a:fld>
             <a:endParaRPr lang="es-EC"/>
           </a:p>
@@ -5040,7 +5042,7 @@
           <a:p>
             <a:fld id="{1D8BD707-D9CF-40AE-B4C6-C98DA3205C09}" type="datetimeFigureOut">
               <a:rPr lang="en-US"/>
-              <a:t>3/15/2024</a:t>
+              <a:t>3/31/2024</a:t>
             </a:fld>
             <a:endParaRPr lang="en-US"/>
           </a:p>
@@ -5392,7 +5394,7 @@
           <a:p>
             <a:fld id="{8FEB83C7-CE7D-EE43-931B-A983B2AE7CF3}" type="datetimeFigureOut">
               <a:rPr lang="es-EC" smtClean="0"/>
-              <a:t>15/3/2024</a:t>
+              <a:t>31/3/2024</a:t>
             </a:fld>
             <a:endParaRPr lang="es-EC"/>
           </a:p>
@@ -5893,6 +5895,210 @@
 </p:sld>
 </file>
 
+<file path=ppt/slides/slide10.xml><?xml version="1.0" encoding="utf-8"?>
+<p:sld xmlns:a="http://schemas.openxmlformats.org/drawingml/2006/main" xmlns:r="http://schemas.openxmlformats.org/officeDocument/2006/relationships" xmlns:p="http://schemas.openxmlformats.org/presentationml/2006/main">
+  <p:cSld>
+    <p:spTree>
+      <p:nvGrpSpPr>
+        <p:cNvPr id="1" name="">
+          <a:extLst>
+            <a:ext uri="{FF2B5EF4-FFF2-40B4-BE49-F238E27FC236}">
+              <a16:creationId xmlns:a16="http://schemas.microsoft.com/office/drawing/2014/main" id="{4364D4C1-C8CF-D8DA-4037-7B3E8CA56EAE}"/>
+            </a:ext>
+          </a:extLst>
+        </p:cNvPr>
+        <p:cNvGrpSpPr/>
+        <p:nvPr/>
+      </p:nvGrpSpPr>
+      <p:grpSpPr>
+        <a:xfrm>
+          <a:off x="0" y="0"/>
+          <a:ext cx="0" cy="0"/>
+          <a:chOff x="0" y="0"/>
+          <a:chExt cx="0" cy="0"/>
+        </a:xfrm>
+      </p:grpSpPr>
+      <p:sp>
+        <p:nvSpPr>
+          <p:cNvPr id="2" name="Título 1">
+            <a:extLst>
+              <a:ext uri="{FF2B5EF4-FFF2-40B4-BE49-F238E27FC236}">
+                <a16:creationId xmlns:a16="http://schemas.microsoft.com/office/drawing/2014/main" id="{B67F9073-34BB-C42E-1983-2746FE254270}"/>
+              </a:ext>
+            </a:extLst>
+          </p:cNvPr>
+          <p:cNvSpPr>
+            <a:spLocks noGrp="1"/>
+          </p:cNvSpPr>
+          <p:nvPr>
+            <p:ph type="title" idx="4294967295"/>
+          </p:nvPr>
+        </p:nvSpPr>
+        <p:spPr>
+          <a:xfrm>
+            <a:off x="492369" y="1395046"/>
+            <a:ext cx="11218985" cy="295642"/>
+          </a:xfrm>
+        </p:spPr>
+        <p:txBody>
+          <a:bodyPr>
+            <a:noAutofit/>
+          </a:bodyPr>
+          <a:lstStyle/>
+          <a:p>
+            <a:r>
+              <a:rPr lang="es-EC" sz="3200" b="1" dirty="0"/>
+              <a:t>Última Tarea: Ensayo</a:t>
+            </a:r>
+          </a:p>
+        </p:txBody>
+      </p:sp>
+      <p:sp>
+        <p:nvSpPr>
+          <p:cNvPr id="3" name="Marcador de contenido 2">
+            <a:extLst>
+              <a:ext uri="{FF2B5EF4-FFF2-40B4-BE49-F238E27FC236}">
+                <a16:creationId xmlns:a16="http://schemas.microsoft.com/office/drawing/2014/main" id="{80FFA34E-F3BA-390E-368D-4894037A3CBB}"/>
+              </a:ext>
+            </a:extLst>
+          </p:cNvPr>
+          <p:cNvSpPr>
+            <a:spLocks noGrp="1"/>
+          </p:cNvSpPr>
+          <p:nvPr>
+            <p:ph idx="4294967295"/>
+          </p:nvPr>
+        </p:nvSpPr>
+        <p:spPr>
+          <a:xfrm>
+            <a:off x="492369" y="1825625"/>
+            <a:ext cx="11218985" cy="4351338"/>
+          </a:xfrm>
+        </p:spPr>
+        <p:txBody>
+          <a:bodyPr>
+            <a:normAutofit/>
+          </a:bodyPr>
+          <a:lstStyle/>
+          <a:p>
+            <a:pPr algn="just"/>
+            <a:endParaRPr lang="es-EC" sz="1400" dirty="0"/>
+          </a:p>
+          <a:p>
+            <a:pPr algn="just"/>
+            <a:r>
+              <a:rPr lang="es-EC" sz="1600" dirty="0"/>
+              <a:t>Escribir un ensayo de una página y máximo tres en el que empleando sus propias palabras describa la </a:t>
+            </a:r>
+            <a:r>
+              <a:rPr lang="es-EC" sz="1600" b="1" dirty="0"/>
+              <a:t>importancia de la Programación Web en el mundo del Marketing Digital </a:t>
+            </a:r>
+            <a:r>
+              <a:rPr lang="es-EC" sz="1600" dirty="0"/>
+              <a:t>y cómo podría </a:t>
+            </a:r>
+            <a:r>
+              <a:rPr lang="es-EC" sz="1600" b="1" dirty="0"/>
+              <a:t>aplicar lo aprendido en el módulo en su ejercicio profesional diario. </a:t>
+            </a:r>
+            <a:endParaRPr lang="es-EC" sz="1400" b="1" dirty="0"/>
+          </a:p>
+          <a:p>
+            <a:endParaRPr lang="es-EC" sz="2000" dirty="0"/>
+          </a:p>
+        </p:txBody>
+      </p:sp>
+      <p:pic>
+        <p:nvPicPr>
+          <p:cNvPr id="4" name="Picture 2" descr="Lenguajes de programación más usados para desarrollar una web">
+            <a:extLst>
+              <a:ext uri="{FF2B5EF4-FFF2-40B4-BE49-F238E27FC236}">
+                <a16:creationId xmlns:a16="http://schemas.microsoft.com/office/drawing/2014/main" id="{7288E69B-A00E-5511-BDC8-3E23D67A1CA6}"/>
+              </a:ext>
+            </a:extLst>
+          </p:cNvPr>
+          <p:cNvPicPr>
+            <a:picLocks noChangeAspect="1" noChangeArrowheads="1"/>
+          </p:cNvPicPr>
+          <p:nvPr/>
+        </p:nvPicPr>
+        <p:blipFill>
+          <a:blip r:embed="rId2">
+            <a:extLst>
+              <a:ext uri="{28A0092B-C50C-407E-A947-70E740481C1C}">
+                <a14:useLocalDpi xmlns:a14="http://schemas.microsoft.com/office/drawing/2010/main" val="0"/>
+              </a:ext>
+            </a:extLst>
+          </a:blip>
+          <a:srcRect/>
+          <a:stretch>
+            <a:fillRect/>
+          </a:stretch>
+        </p:blipFill>
+        <p:spPr bwMode="auto">
+          <a:xfrm>
+            <a:off x="3982179" y="3096276"/>
+            <a:ext cx="4601984" cy="2802712"/>
+          </a:xfrm>
+          <a:prstGeom prst="rect">
+            <a:avLst/>
+          </a:prstGeom>
+          <a:noFill/>
+          <a:extLst>
+            <a:ext uri="{909E8E84-426E-40DD-AFC4-6F175D3DCCD1}">
+              <a14:hiddenFill xmlns:a14="http://schemas.microsoft.com/office/drawing/2010/main">
+                <a:solidFill>
+                  <a:srgbClr val="FFFFFF"/>
+                </a:solidFill>
+              </a14:hiddenFill>
+            </a:ext>
+          </a:extLst>
+        </p:spPr>
+      </p:pic>
+    </p:spTree>
+    <p:extLst>
+      <p:ext uri="{BB962C8B-B14F-4D97-AF65-F5344CB8AC3E}">
+        <p14:creationId xmlns:p14="http://schemas.microsoft.com/office/powerpoint/2010/main" val="186135857"/>
+      </p:ext>
+    </p:extLst>
+  </p:cSld>
+  <p:clrMapOvr>
+    <a:masterClrMapping/>
+  </p:clrMapOvr>
+</p:sld>
+</file>
+
+<file path=ppt/slides/slide11.xml><?xml version="1.0" encoding="utf-8"?>
+<p:sld xmlns:a="http://schemas.openxmlformats.org/drawingml/2006/main" xmlns:r="http://schemas.openxmlformats.org/officeDocument/2006/relationships" xmlns:p="http://schemas.openxmlformats.org/presentationml/2006/main">
+  <p:cSld>
+    <p:spTree>
+      <p:nvGrpSpPr>
+        <p:cNvPr id="1" name=""/>
+        <p:cNvGrpSpPr/>
+        <p:nvPr/>
+      </p:nvGrpSpPr>
+      <p:grpSpPr>
+        <a:xfrm>
+          <a:off x="0" y="0"/>
+          <a:ext cx="0" cy="0"/>
+          <a:chOff x="0" y="0"/>
+          <a:chExt cx="0" cy="0"/>
+        </a:xfrm>
+      </p:grpSpPr>
+    </p:spTree>
+    <p:extLst>
+      <p:ext uri="{BB962C8B-B14F-4D97-AF65-F5344CB8AC3E}">
+        <p14:creationId xmlns:p14="http://schemas.microsoft.com/office/powerpoint/2010/main" val="1741919490"/>
+      </p:ext>
+    </p:extLst>
+  </p:cSld>
+  <p:clrMapOvr>
+    <a:masterClrMapping/>
+  </p:clrMapOvr>
+</p:sld>
+</file>
+
 <file path=ppt/slides/slide2.xml><?xml version="1.0" encoding="utf-8"?>
 <p:sld xmlns:a="http://schemas.openxmlformats.org/drawingml/2006/main" xmlns:r="http://schemas.openxmlformats.org/officeDocument/2006/relationships" xmlns:p="http://schemas.openxmlformats.org/presentationml/2006/main">
   <p:cSld>
@@ -6053,6 +6259,183 @@
 </file>
 
 <file path=ppt/slides/slide3.xml><?xml version="1.0" encoding="utf-8"?>
+<p:sld xmlns:a="http://schemas.openxmlformats.org/drawingml/2006/main" xmlns:r="http://schemas.openxmlformats.org/officeDocument/2006/relationships" xmlns:p="http://schemas.openxmlformats.org/presentationml/2006/main">
+  <p:cSld>
+    <p:spTree>
+      <p:nvGrpSpPr>
+        <p:cNvPr id="1" name=""/>
+        <p:cNvGrpSpPr/>
+        <p:nvPr/>
+      </p:nvGrpSpPr>
+      <p:grpSpPr>
+        <a:xfrm>
+          <a:off x="0" y="0"/>
+          <a:ext cx="0" cy="0"/>
+          <a:chOff x="0" y="0"/>
+          <a:chExt cx="0" cy="0"/>
+        </a:xfrm>
+      </p:grpSpPr>
+      <p:sp>
+        <p:nvSpPr>
+          <p:cNvPr id="2" name="Título 1">
+            <a:extLst>
+              <a:ext uri="{FF2B5EF4-FFF2-40B4-BE49-F238E27FC236}">
+                <a16:creationId xmlns:a16="http://schemas.microsoft.com/office/drawing/2014/main" id="{B8ABAACC-5240-4E68-A4E9-ACA6E7A4B0A2}"/>
+              </a:ext>
+            </a:extLst>
+          </p:cNvPr>
+          <p:cNvSpPr>
+            <a:spLocks noGrp="1"/>
+          </p:cNvSpPr>
+          <p:nvPr>
+            <p:ph type="title" idx="4294967295"/>
+          </p:nvPr>
+        </p:nvSpPr>
+        <p:spPr>
+          <a:xfrm>
+            <a:off x="343079" y="1409161"/>
+            <a:ext cx="11218985" cy="295642"/>
+          </a:xfrm>
+        </p:spPr>
+        <p:txBody>
+          <a:bodyPr>
+            <a:noAutofit/>
+          </a:bodyPr>
+          <a:lstStyle/>
+          <a:p>
+            <a:pPr algn="ctr"/>
+            <a:r>
+              <a:rPr lang="es-EC" sz="3200" b="1" dirty="0"/>
+              <a:t>Agenda</a:t>
+            </a:r>
+          </a:p>
+        </p:txBody>
+      </p:sp>
+      <p:sp>
+        <p:nvSpPr>
+          <p:cNvPr id="3" name="Marcador de contenido 2">
+            <a:extLst>
+              <a:ext uri="{FF2B5EF4-FFF2-40B4-BE49-F238E27FC236}">
+                <a16:creationId xmlns:a16="http://schemas.microsoft.com/office/drawing/2014/main" id="{055CBC30-9FA5-4F46-97C3-766A43887EE6}"/>
+              </a:ext>
+            </a:extLst>
+          </p:cNvPr>
+          <p:cNvSpPr>
+            <a:spLocks noGrp="1"/>
+          </p:cNvSpPr>
+          <p:nvPr>
+            <p:ph idx="4294967295"/>
+          </p:nvPr>
+        </p:nvSpPr>
+        <p:spPr>
+          <a:xfrm>
+            <a:off x="492369" y="2012615"/>
+            <a:ext cx="11218985" cy="1171984"/>
+          </a:xfrm>
+        </p:spPr>
+        <p:txBody>
+          <a:bodyPr>
+            <a:normAutofit/>
+          </a:bodyPr>
+          <a:lstStyle/>
+          <a:p>
+            <a:pPr marL="457200" indent="-457200" algn="ctr">
+              <a:buAutoNum type="arabicPeriod"/>
+            </a:pPr>
+            <a:r>
+              <a:rPr lang="es-EC" sz="2000" dirty="0"/>
+              <a:t>¿Qué es </a:t>
+            </a:r>
+            <a:r>
+              <a:rPr lang="es-EC" sz="2000" dirty="0" err="1"/>
+              <a:t>PyScript</a:t>
+            </a:r>
+            <a:r>
+              <a:rPr lang="es-EC" sz="2000" dirty="0"/>
+              <a:t>?</a:t>
+            </a:r>
+          </a:p>
+          <a:p>
+            <a:pPr marL="457200" indent="-457200" algn="ctr">
+              <a:buAutoNum type="arabicPeriod"/>
+            </a:pPr>
+            <a:r>
+              <a:rPr lang="es-EC" sz="2000" dirty="0"/>
+              <a:t> Estructura de Proyectos</a:t>
+            </a:r>
+          </a:p>
+          <a:p>
+            <a:pPr marL="457200" indent="-457200" algn="ctr">
+              <a:buAutoNum type="arabicPeriod"/>
+            </a:pPr>
+            <a:r>
+              <a:rPr lang="es-EC" sz="2000" dirty="0"/>
+              <a:t>Consideraciones de seguridad</a:t>
+            </a:r>
+          </a:p>
+        </p:txBody>
+      </p:sp>
+      <p:pic>
+        <p:nvPicPr>
+          <p:cNvPr id="2050" name="Picture 2" descr="870.700+ Agenda Fotografías de stock, fotos e imágenes libres de derechos -  iStock | Calendario, Indice, Reloj">
+            <a:extLst>
+              <a:ext uri="{FF2B5EF4-FFF2-40B4-BE49-F238E27FC236}">
+                <a16:creationId xmlns:a16="http://schemas.microsoft.com/office/drawing/2014/main" id="{62461B0E-7D99-532C-B023-030084F16629}"/>
+              </a:ext>
+            </a:extLst>
+          </p:cNvPr>
+          <p:cNvPicPr>
+            <a:picLocks noChangeAspect="1" noChangeArrowheads="1"/>
+          </p:cNvPicPr>
+          <p:nvPr/>
+        </p:nvPicPr>
+        <p:blipFill>
+          <a:blip r:embed="rId2">
+            <a:extLst>
+              <a:ext uri="{28A0092B-C50C-407E-A947-70E740481C1C}">
+                <a14:useLocalDpi xmlns:a14="http://schemas.microsoft.com/office/drawing/2010/main" val="0"/>
+              </a:ext>
+            </a:extLst>
+          </a:blip>
+          <a:srcRect/>
+          <a:stretch>
+            <a:fillRect/>
+          </a:stretch>
+        </p:blipFill>
+        <p:spPr bwMode="auto">
+          <a:xfrm>
+            <a:off x="4818289" y="3429000"/>
+            <a:ext cx="2555421" cy="2555421"/>
+          </a:xfrm>
+          <a:prstGeom prst="rect">
+            <a:avLst/>
+          </a:prstGeom>
+          <a:noFill/>
+          <a:extLst>
+            <a:ext uri="{909E8E84-426E-40DD-AFC4-6F175D3DCCD1}">
+              <a14:hiddenFill xmlns:a14="http://schemas.microsoft.com/office/drawing/2010/main">
+                <a:solidFill>
+                  <a:srgbClr val="FFFFFF"/>
+                </a:solidFill>
+              </a14:hiddenFill>
+            </a:ext>
+          </a:extLst>
+        </p:spPr>
+      </p:pic>
+    </p:spTree>
+    <p:extLst>
+      <p:ext uri="{BB962C8B-B14F-4D97-AF65-F5344CB8AC3E}">
+        <p14:creationId xmlns:p14="http://schemas.microsoft.com/office/powerpoint/2010/main" val="15895652"/>
+      </p:ext>
+    </p:extLst>
+  </p:cSld>
+  <p:clrMapOvr>
+    <a:masterClrMapping/>
+  </p:clrMapOvr>
+</p:sld>
+</file>
+
+<file path=ppt/slides/slide4.xml><?xml version="1.0" encoding="utf-8"?>
 <p:sld xmlns:a="http://schemas.openxmlformats.org/drawingml/2006/main" xmlns:r="http://schemas.openxmlformats.org/officeDocument/2006/relationships" xmlns:p="http://schemas.openxmlformats.org/presentationml/2006/main">
   <p:cSld>
     <p:spTree>
@@ -6665,7 +7048,7 @@
 </p:sld>
 </file>
 
-<file path=ppt/slides/slide4.xml><?xml version="1.0" encoding="utf-8"?>
+<file path=ppt/slides/slide5.xml><?xml version="1.0" encoding="utf-8"?>
 <p:sld xmlns:a="http://schemas.openxmlformats.org/drawingml/2006/main" xmlns:r="http://schemas.openxmlformats.org/officeDocument/2006/relationships" xmlns:p="http://schemas.openxmlformats.org/presentationml/2006/main" showMasterSp="0">
   <p:cSld>
     <p:spTree>
@@ -7268,7 +7651,7 @@
 </p:sld>
 </file>
 
-<file path=ppt/slides/slide5.xml><?xml version="1.0" encoding="utf-8"?>
+<file path=ppt/slides/slide6.xml><?xml version="1.0" encoding="utf-8"?>
 <p:sld xmlns:a="http://schemas.openxmlformats.org/drawingml/2006/main" xmlns:r="http://schemas.openxmlformats.org/officeDocument/2006/relationships" xmlns:p="http://schemas.openxmlformats.org/presentationml/2006/main">
   <p:cSld>
     <p:spTree>
@@ -8001,7 +8384,7 @@
 </p:sld>
 </file>
 
-<file path=ppt/slides/slide6.xml><?xml version="1.0" encoding="utf-8"?>
+<file path=ppt/slides/slide7.xml><?xml version="1.0" encoding="utf-8"?>
 <p:sld xmlns:a="http://schemas.openxmlformats.org/drawingml/2006/main" xmlns:r="http://schemas.openxmlformats.org/officeDocument/2006/relationships" xmlns:p="http://schemas.openxmlformats.org/presentationml/2006/main">
   <p:cSld>
     <p:spTree>
@@ -8585,7 +8968,7 @@
 </p:sld>
 </file>
 
-<file path=ppt/slides/slide7.xml><?xml version="1.0" encoding="utf-8"?>
+<file path=ppt/slides/slide8.xml><?xml version="1.0" encoding="utf-8"?>
 <p:sld xmlns:a="http://schemas.openxmlformats.org/drawingml/2006/main" xmlns:r="http://schemas.openxmlformats.org/officeDocument/2006/relationships" xmlns:p="http://schemas.openxmlformats.org/presentationml/2006/main">
   <p:cSld>
     <p:spTree>
@@ -9198,7 +9581,7 @@
 </p:sld>
 </file>
 
-<file path=ppt/slides/slide8.xml><?xml version="1.0" encoding="utf-8"?>
+<file path=ppt/slides/slide9.xml><?xml version="1.0" encoding="utf-8"?>
 <p:sld xmlns:a="http://schemas.openxmlformats.org/drawingml/2006/main" xmlns:r="http://schemas.openxmlformats.org/officeDocument/2006/relationships" xmlns:p="http://schemas.openxmlformats.org/presentationml/2006/main">
   <p:cSld>
     <p:spTree>
@@ -9862,36 +10245,6 @@
         </p:spPr>
       </p:pic>
     </p:spTree>
-  </p:cSld>
-  <p:clrMapOvr>
-    <a:masterClrMapping/>
-  </p:clrMapOvr>
-</p:sld>
-</file>
-
-<file path=ppt/slides/slide9.xml><?xml version="1.0" encoding="utf-8"?>
-<p:sld xmlns:a="http://schemas.openxmlformats.org/drawingml/2006/main" xmlns:r="http://schemas.openxmlformats.org/officeDocument/2006/relationships" xmlns:p="http://schemas.openxmlformats.org/presentationml/2006/main">
-  <p:cSld>
-    <p:spTree>
-      <p:nvGrpSpPr>
-        <p:cNvPr id="1" name=""/>
-        <p:cNvGrpSpPr/>
-        <p:nvPr/>
-      </p:nvGrpSpPr>
-      <p:grpSpPr>
-        <a:xfrm>
-          <a:off x="0" y="0"/>
-          <a:ext cx="0" cy="0"/>
-          <a:chOff x="0" y="0"/>
-          <a:chExt cx="0" cy="0"/>
-        </a:xfrm>
-      </p:grpSpPr>
-    </p:spTree>
-    <p:extLst>
-      <p:ext uri="{BB962C8B-B14F-4D97-AF65-F5344CB8AC3E}">
-        <p14:creationId xmlns:p14="http://schemas.microsoft.com/office/powerpoint/2010/main" val="1741919490"/>
-      </p:ext>
-    </p:extLst>
   </p:cSld>
   <p:clrMapOvr>
     <a:masterClrMapping/>
